--- a/Doc/SummitTechnical-Final.pptx
+++ b/Doc/SummitTechnical-Final.pptx
@@ -262,7 +262,7 @@
       <p15:sldGuideLst xmlns:p15="http://schemas.microsoft.com/office/powerpoint/2012/main"/>
     </p:ext>
     <p:ext uri="GoogleSlidesCustomDataVersion2">
-      <go:slidesCustomData xmlns:mc="http://schemas.openxmlformats.org/markup-compatibility/2006" xmlns:mv="urn:schemas-microsoft-com:mac:vml" xmlns:c="http://schemas.openxmlformats.org/drawingml/2006/chart" xmlns:dgm="http://schemas.openxmlformats.org/drawingml/2006/diagram" xmlns:o="urn:schemas-microsoft-com:office:office" xmlns:v="urn:schemas-microsoft-com:vml" xmlns:pvml="urn:schemas-microsoft-com:office:powerpoint" xmlns:com="http://schemas.openxmlformats.org/drawingml/2006/compatibility" xmlns:p14="http://schemas.microsoft.com/office/powerpoint/2010/main" xmlns:p15="http://schemas.microsoft.com/office/powerpoint/2012/main" xmlns:ahyp="http://schemas.microsoft.com/office/drawing/2018/hyperlinkcolor" xmlns:go="http://customooxmlschemas.google.com/" xmlns="" r:id="rId29" roundtripDataSignature="AMtx7mjr6PLBXlQmuAYhHlEqEj54pF85GQ=="/>
+      <go:slidesCustomData xmlns="" xmlns:go="http://customooxmlschemas.google.com/" xmlns:ahyp="http://schemas.microsoft.com/office/drawing/2018/hyperlinkcolor" xmlns:p15="http://schemas.microsoft.com/office/powerpoint/2012/main" xmlns:p14="http://schemas.microsoft.com/office/powerpoint/2010/main" xmlns:com="http://schemas.openxmlformats.org/drawingml/2006/compatibility" xmlns:pvml="urn:schemas-microsoft-com:office:powerpoint" xmlns:v="urn:schemas-microsoft-com:vml" xmlns:o="urn:schemas-microsoft-com:office:office" xmlns:dgm="http://schemas.openxmlformats.org/drawingml/2006/diagram" xmlns:c="http://schemas.openxmlformats.org/drawingml/2006/chart" xmlns:mv="urn:schemas-microsoft-com:mac:vml" xmlns:mc="http://schemas.openxmlformats.org/markup-compatibility/2006" r:id="rId29" roundtripDataSignature="AMtx7mjr6PLBXlQmuAYhHlEqEj54pF85GQ=="/>
     </p:ext>
   </p:extLst>
 </p:presentation>
@@ -9810,29 +9810,35 @@
           <a:lstStyle/>
           <a:p>
             <a:r>
-              <a:rPr lang="en-US"/>
+              <a:rPr lang="en-US" dirty="0"/>
               <a:t>John </a:t>
             </a:r>
             <a:r>
-              <a:rPr lang="en-US" err="1"/>
+              <a:rPr lang="en-US" dirty="0" err="1"/>
               <a:t>Manferdelli</a:t>
             </a:r>
             <a:r>
-              <a:rPr lang="en-US"/>
+              <a:rPr lang="en-US" dirty="0"/>
               <a:t>, CC Project Director</a:t>
             </a:r>
           </a:p>
           <a:p>
             <a:r>
-              <a:rPr lang="en-US"/>
+              <a:rPr lang="en-US" dirty="0"/>
               <a:t>Ye Li, Sr. Engineer</a:t>
             </a:r>
           </a:p>
           <a:p>
-            <a:endParaRPr lang="en-US"/>
+            <a:r>
+              <a:rPr lang="en-US"/>
+              <a:t>June 29, 2023</a:t>
+            </a:r>
           </a:p>
           <a:p>
-            <a:endParaRPr lang="en-US"/>
+            <a:endParaRPr lang="en-US" dirty="0"/>
+          </a:p>
+          <a:p>
+            <a:endParaRPr lang="en-US" dirty="0"/>
           </a:p>
         </p:txBody>
       </p:sp>
@@ -35021,18 +35027,18 @@
 </file>
 
 <file path=customXml/item1.xml><?xml version="1.0" encoding="utf-8"?>
-<p:properties xmlns:p="http://schemas.microsoft.com/office/2006/metadata/properties" xmlns:xsi="http://www.w3.org/2001/XMLSchema-instance" xmlns:pc="http://schemas.microsoft.com/office/infopath/2007/PartnerControls">
-  <documentManagement/>
-</p:properties>
-</file>
-
-<file path=customXml/item2.xml><?xml version="1.0" encoding="utf-8"?>
 <?mso-contentType ?>
 <FormTemplates xmlns="http://schemas.microsoft.com/sharepoint/v3/contenttype/forms">
   <Display>DocumentLibraryForm</Display>
   <Edit>DocumentLibraryForm</Edit>
   <New>DocumentLibraryForm</New>
 </FormTemplates>
+</file>
+
+<file path=customXml/item2.xml><?xml version="1.0" encoding="utf-8"?>
+<p:properties xmlns:p="http://schemas.microsoft.com/office/2006/metadata/properties" xmlns:xsi="http://www.w3.org/2001/XMLSchema-instance" xmlns:pc="http://schemas.microsoft.com/office/infopath/2007/PartnerControls">
+  <documentManagement/>
+</p:properties>
 </file>
 
 <file path=customXml/item3.xml><?xml version="1.0" encoding="utf-8"?>
@@ -35253,6 +35259,14 @@
 </file>
 
 <file path=customXml/itemProps1.xml><?xml version="1.0" encoding="utf-8"?>
+<ds:datastoreItem xmlns:ds="http://schemas.openxmlformats.org/officeDocument/2006/customXml" ds:itemID="{1264E9BF-81F6-4417-9AFD-A5CB4EDABBF6}">
+  <ds:schemaRefs>
+    <ds:schemaRef ds:uri="http://schemas.microsoft.com/sharepoint/v3/contenttype/forms"/>
+  </ds:schemaRefs>
+</ds:datastoreItem>
+</file>
+
+<file path=customXml/itemProps2.xml><?xml version="1.0" encoding="utf-8"?>
 <ds:datastoreItem xmlns:ds="http://schemas.openxmlformats.org/officeDocument/2006/customXml" ds:itemID="{16A11658-CF1F-4BE9-9699-0539476E2134}">
   <ds:schemaRefs>
     <ds:schemaRef ds:uri="28481bb3-5299-45df-98e4-9eda10c473f6"/>
@@ -35265,14 +35279,6 @@
     <ds:schemaRef ds:uri="http://schemas.microsoft.com/office/infopath/2007/PartnerControls"/>
     <ds:schemaRef ds:uri="http://schemas.openxmlformats.org/package/2006/metadata/core-properties"/>
     <ds:schemaRef ds:uri="http://www.w3.org/XML/1998/namespace"/>
-  </ds:schemaRefs>
-</ds:datastoreItem>
-</file>
-
-<file path=customXml/itemProps2.xml><?xml version="1.0" encoding="utf-8"?>
-<ds:datastoreItem xmlns:ds="http://schemas.openxmlformats.org/officeDocument/2006/customXml" ds:itemID="{1264E9BF-81F6-4417-9AFD-A5CB4EDABBF6}">
-  <ds:schemaRefs>
-    <ds:schemaRef ds:uri="http://schemas.microsoft.com/sharepoint/v3/contenttype/forms"/>
   </ds:schemaRefs>
 </ds:datastoreItem>
 </file>
